--- a/2022/June_Batch/5Javascript/others/new-version/10javascript -ES6.pptx
+++ b/2022/June_Batch/5Javascript/others/new-version/10javascript -ES6.pptx
@@ -20,8 +20,12 @@
     <p:sldId id="301" r:id="rId14"/>
     <p:sldId id="302" r:id="rId15"/>
     <p:sldId id="303" r:id="rId16"/>
-    <p:sldId id="304" r:id="rId17"/>
-    <p:sldId id="305" r:id="rId18"/>
+    <p:sldId id="306" r:id="rId17"/>
+    <p:sldId id="307" r:id="rId18"/>
+    <p:sldId id="308" r:id="rId19"/>
+    <p:sldId id="309" r:id="rId20"/>
+    <p:sldId id="304" r:id="rId21"/>
+    <p:sldId id="305" r:id="rId22"/>
   </p:sldIdLst>
   <p:sldSz cx="12192000" cy="6858000"/>
   <p:notesSz cx="6858000" cy="9144000"/>
@@ -122,7 +126,7 @@
   </p:defaultTextStyle>
   <p:extLst>
     <p:ext uri="{EFAFB233-063F-42B5-8137-9DF3F51BA10A}">
-      <p15:sldGuideLst xmlns:p15="http://schemas.microsoft.com/office/powerpoint/2012/main" xmlns="">
+      <p15:sldGuideLst xmlns="" xmlns:p15="http://schemas.microsoft.com/office/powerpoint/2012/main">
         <p15:guide id="1" orient="horz" pos="2160">
           <p15:clr>
             <a:srgbClr val="A4A3A4"/>
@@ -271,7 +275,7 @@
             <a:fld id="{7FCC5AE5-E495-4913-B643-A95A6AFABB00}" type="datetimeFigureOut">
               <a:rPr kumimoji="1" lang="ja-JP" altLang="en-US" smtClean="0"/>
               <a:pPr/>
-              <a:t>2022/7/17</a:t>
+              <a:t>2022/8/10</a:t>
             </a:fld>
             <a:endParaRPr kumimoji="1" lang="ja-JP" altLang="en-US"/>
           </a:p>
@@ -323,7 +327,7 @@
     </p:spTree>
     <p:extLst>
       <p:ext uri="{BB962C8B-B14F-4D97-AF65-F5344CB8AC3E}">
-        <p14:creationId xmlns:p14="http://schemas.microsoft.com/office/powerpoint/2010/main" xmlns="" val="3096064434"/>
+        <p14:creationId xmlns="" xmlns:p14="http://schemas.microsoft.com/office/powerpoint/2010/main" val="3096064434"/>
       </p:ext>
     </p:extLst>
   </p:cSld>
@@ -443,7 +447,7 @@
             <a:fld id="{7FCC5AE5-E495-4913-B643-A95A6AFABB00}" type="datetimeFigureOut">
               <a:rPr kumimoji="1" lang="ja-JP" altLang="en-US" smtClean="0"/>
               <a:pPr/>
-              <a:t>2022/7/17</a:t>
+              <a:t>2022/8/10</a:t>
             </a:fld>
             <a:endParaRPr kumimoji="1" lang="ja-JP" altLang="en-US"/>
           </a:p>
@@ -495,7 +499,7 @@
     </p:spTree>
     <p:extLst>
       <p:ext uri="{BB962C8B-B14F-4D97-AF65-F5344CB8AC3E}">
-        <p14:creationId xmlns:p14="http://schemas.microsoft.com/office/powerpoint/2010/main" xmlns="" val="71407721"/>
+        <p14:creationId xmlns="" xmlns:p14="http://schemas.microsoft.com/office/powerpoint/2010/main" val="71407721"/>
       </p:ext>
     </p:extLst>
   </p:cSld>
@@ -625,7 +629,7 @@
             <a:fld id="{7FCC5AE5-E495-4913-B643-A95A6AFABB00}" type="datetimeFigureOut">
               <a:rPr kumimoji="1" lang="ja-JP" altLang="en-US" smtClean="0"/>
               <a:pPr/>
-              <a:t>2022/7/17</a:t>
+              <a:t>2022/8/10</a:t>
             </a:fld>
             <a:endParaRPr kumimoji="1" lang="ja-JP" altLang="en-US"/>
           </a:p>
@@ -677,7 +681,7 @@
     </p:spTree>
     <p:extLst>
       <p:ext uri="{BB962C8B-B14F-4D97-AF65-F5344CB8AC3E}">
-        <p14:creationId xmlns:p14="http://schemas.microsoft.com/office/powerpoint/2010/main" xmlns="" val="3852493858"/>
+        <p14:creationId xmlns="" xmlns:p14="http://schemas.microsoft.com/office/powerpoint/2010/main" val="3852493858"/>
       </p:ext>
     </p:extLst>
   </p:cSld>
@@ -797,7 +801,7 @@
             <a:fld id="{7FCC5AE5-E495-4913-B643-A95A6AFABB00}" type="datetimeFigureOut">
               <a:rPr kumimoji="1" lang="ja-JP" altLang="en-US" smtClean="0"/>
               <a:pPr/>
-              <a:t>2022/7/17</a:t>
+              <a:t>2022/8/10</a:t>
             </a:fld>
             <a:endParaRPr kumimoji="1" lang="ja-JP" altLang="en-US"/>
           </a:p>
@@ -849,7 +853,7 @@
     </p:spTree>
     <p:extLst>
       <p:ext uri="{BB962C8B-B14F-4D97-AF65-F5344CB8AC3E}">
-        <p14:creationId xmlns:p14="http://schemas.microsoft.com/office/powerpoint/2010/main" xmlns="" val="282795843"/>
+        <p14:creationId xmlns="" xmlns:p14="http://schemas.microsoft.com/office/powerpoint/2010/main" val="282795843"/>
       </p:ext>
     </p:extLst>
   </p:cSld>
@@ -1045,7 +1049,7 @@
             <a:fld id="{7FCC5AE5-E495-4913-B643-A95A6AFABB00}" type="datetimeFigureOut">
               <a:rPr kumimoji="1" lang="ja-JP" altLang="en-US" smtClean="0"/>
               <a:pPr/>
-              <a:t>2022/7/17</a:t>
+              <a:t>2022/8/10</a:t>
             </a:fld>
             <a:endParaRPr kumimoji="1" lang="ja-JP" altLang="en-US"/>
           </a:p>
@@ -1097,7 +1101,7 @@
     </p:spTree>
     <p:extLst>
       <p:ext uri="{BB962C8B-B14F-4D97-AF65-F5344CB8AC3E}">
-        <p14:creationId xmlns:p14="http://schemas.microsoft.com/office/powerpoint/2010/main" xmlns="" val="1315004973"/>
+        <p14:creationId xmlns="" xmlns:p14="http://schemas.microsoft.com/office/powerpoint/2010/main" val="1315004973"/>
       </p:ext>
     </p:extLst>
   </p:cSld>
@@ -1279,7 +1283,7 @@
             <a:fld id="{7FCC5AE5-E495-4913-B643-A95A6AFABB00}" type="datetimeFigureOut">
               <a:rPr kumimoji="1" lang="ja-JP" altLang="en-US" smtClean="0"/>
               <a:pPr/>
-              <a:t>2022/7/17</a:t>
+              <a:t>2022/8/10</a:t>
             </a:fld>
             <a:endParaRPr kumimoji="1" lang="ja-JP" altLang="en-US"/>
           </a:p>
@@ -1331,7 +1335,7 @@
     </p:spTree>
     <p:extLst>
       <p:ext uri="{BB962C8B-B14F-4D97-AF65-F5344CB8AC3E}">
-        <p14:creationId xmlns:p14="http://schemas.microsoft.com/office/powerpoint/2010/main" xmlns="" val="3048296005"/>
+        <p14:creationId xmlns="" xmlns:p14="http://schemas.microsoft.com/office/powerpoint/2010/main" val="3048296005"/>
       </p:ext>
     </p:extLst>
   </p:cSld>
@@ -1648,7 +1652,7 @@
             <a:fld id="{7FCC5AE5-E495-4913-B643-A95A6AFABB00}" type="datetimeFigureOut">
               <a:rPr kumimoji="1" lang="ja-JP" altLang="en-US" smtClean="0"/>
               <a:pPr/>
-              <a:t>2022/7/17</a:t>
+              <a:t>2022/8/10</a:t>
             </a:fld>
             <a:endParaRPr kumimoji="1" lang="ja-JP" altLang="en-US"/>
           </a:p>
@@ -1700,7 +1704,7 @@
     </p:spTree>
     <p:extLst>
       <p:ext uri="{BB962C8B-B14F-4D97-AF65-F5344CB8AC3E}">
-        <p14:creationId xmlns:p14="http://schemas.microsoft.com/office/powerpoint/2010/main" xmlns="" val="890299385"/>
+        <p14:creationId xmlns="" xmlns:p14="http://schemas.microsoft.com/office/powerpoint/2010/main" val="890299385"/>
       </p:ext>
     </p:extLst>
   </p:cSld>
@@ -1768,7 +1772,7 @@
             <a:fld id="{7FCC5AE5-E495-4913-B643-A95A6AFABB00}" type="datetimeFigureOut">
               <a:rPr kumimoji="1" lang="ja-JP" altLang="en-US" smtClean="0"/>
               <a:pPr/>
-              <a:t>2022/7/17</a:t>
+              <a:t>2022/8/10</a:t>
             </a:fld>
             <a:endParaRPr kumimoji="1" lang="ja-JP" altLang="en-US"/>
           </a:p>
@@ -1820,7 +1824,7 @@
     </p:spTree>
     <p:extLst>
       <p:ext uri="{BB962C8B-B14F-4D97-AF65-F5344CB8AC3E}">
-        <p14:creationId xmlns:p14="http://schemas.microsoft.com/office/powerpoint/2010/main" xmlns="" val="2049573599"/>
+        <p14:creationId xmlns="" xmlns:p14="http://schemas.microsoft.com/office/powerpoint/2010/main" val="2049573599"/>
       </p:ext>
     </p:extLst>
   </p:cSld>
@@ -1865,7 +1869,7 @@
             <a:fld id="{7FCC5AE5-E495-4913-B643-A95A6AFABB00}" type="datetimeFigureOut">
               <a:rPr kumimoji="1" lang="ja-JP" altLang="en-US" smtClean="0"/>
               <a:pPr/>
-              <a:t>2022/7/17</a:t>
+              <a:t>2022/8/10</a:t>
             </a:fld>
             <a:endParaRPr kumimoji="1" lang="ja-JP" altLang="en-US"/>
           </a:p>
@@ -1917,7 +1921,7 @@
     </p:spTree>
     <p:extLst>
       <p:ext uri="{BB962C8B-B14F-4D97-AF65-F5344CB8AC3E}">
-        <p14:creationId xmlns:p14="http://schemas.microsoft.com/office/powerpoint/2010/main" xmlns="" val="1896888541"/>
+        <p14:creationId xmlns="" xmlns:p14="http://schemas.microsoft.com/office/powerpoint/2010/main" val="1896888541"/>
       </p:ext>
     </p:extLst>
   </p:cSld>
@@ -2144,7 +2148,7 @@
             <a:fld id="{7FCC5AE5-E495-4913-B643-A95A6AFABB00}" type="datetimeFigureOut">
               <a:rPr kumimoji="1" lang="ja-JP" altLang="en-US" smtClean="0"/>
               <a:pPr/>
-              <a:t>2022/7/17</a:t>
+              <a:t>2022/8/10</a:t>
             </a:fld>
             <a:endParaRPr kumimoji="1" lang="ja-JP" altLang="en-US"/>
           </a:p>
@@ -2196,7 +2200,7 @@
     </p:spTree>
     <p:extLst>
       <p:ext uri="{BB962C8B-B14F-4D97-AF65-F5344CB8AC3E}">
-        <p14:creationId xmlns:p14="http://schemas.microsoft.com/office/powerpoint/2010/main" xmlns="" val="1581260034"/>
+        <p14:creationId xmlns="" xmlns:p14="http://schemas.microsoft.com/office/powerpoint/2010/main" val="1581260034"/>
       </p:ext>
     </p:extLst>
   </p:cSld>
@@ -2403,7 +2407,7 @@
             <a:fld id="{7FCC5AE5-E495-4913-B643-A95A6AFABB00}" type="datetimeFigureOut">
               <a:rPr kumimoji="1" lang="ja-JP" altLang="en-US" smtClean="0"/>
               <a:pPr/>
-              <a:t>2022/7/17</a:t>
+              <a:t>2022/8/10</a:t>
             </a:fld>
             <a:endParaRPr kumimoji="1" lang="ja-JP" altLang="en-US"/>
           </a:p>
@@ -2455,7 +2459,7 @@
     </p:spTree>
     <p:extLst>
       <p:ext uri="{BB962C8B-B14F-4D97-AF65-F5344CB8AC3E}">
-        <p14:creationId xmlns:p14="http://schemas.microsoft.com/office/powerpoint/2010/main" xmlns="" val="2397771766"/>
+        <p14:creationId xmlns="" xmlns:p14="http://schemas.microsoft.com/office/powerpoint/2010/main" val="2397771766"/>
       </p:ext>
     </p:extLst>
   </p:cSld>
@@ -2618,7 +2622,7 @@
             <a:fld id="{7FCC5AE5-E495-4913-B643-A95A6AFABB00}" type="datetimeFigureOut">
               <a:rPr kumimoji="1" lang="ja-JP" altLang="en-US" smtClean="0"/>
               <a:pPr/>
-              <a:t>2022/7/17</a:t>
+              <a:t>2022/8/10</a:t>
             </a:fld>
             <a:endParaRPr kumimoji="1" lang="ja-JP" altLang="en-US"/>
           </a:p>
@@ -2708,7 +2712,7 @@
           <p:cNvPr id="7" name="TextBox 6">
             <a:extLst>
               <a:ext uri="{FF2B5EF4-FFF2-40B4-BE49-F238E27FC236}">
-                <a16:creationId xmlns:a16="http://schemas.microsoft.com/office/drawing/2014/main" xmlns="" id="{847969B0-9AAB-4EBF-AF99-17A470D83F03}"/>
+                <a16:creationId xmlns="" xmlns:a16="http://schemas.microsoft.com/office/drawing/2014/main" id="{847969B0-9AAB-4EBF-AF99-17A470D83F03}"/>
               </a:ext>
             </a:extLst>
           </p:cNvPr>
@@ -2755,7 +2759,7 @@
     </p:spTree>
     <p:extLst>
       <p:ext uri="{BB962C8B-B14F-4D97-AF65-F5344CB8AC3E}">
-        <p14:creationId xmlns:p14="http://schemas.microsoft.com/office/powerpoint/2010/main" xmlns="" val="492407304"/>
+        <p14:creationId xmlns="" xmlns:p14="http://schemas.microsoft.com/office/powerpoint/2010/main" val="492407304"/>
       </p:ext>
     </p:extLst>
   </p:cSld>
@@ -3163,7 +3167,7 @@
     </p:spTree>
     <p:extLst>
       <p:ext uri="{BB962C8B-B14F-4D97-AF65-F5344CB8AC3E}">
-        <p14:creationId xmlns:p14="http://schemas.microsoft.com/office/powerpoint/2010/main" xmlns="" val="4062787881"/>
+        <p14:creationId xmlns="" xmlns:p14="http://schemas.microsoft.com/office/powerpoint/2010/main" val="4062787881"/>
       </p:ext>
     </p:extLst>
   </p:cSld>
@@ -3711,8 +3715,8 @@
           <a:lstStyle/>
           <a:p>
             <a:r>
-              <a:rPr lang="en-IN" dirty="0" smtClean="0"/>
-              <a:t>Spread and rest parameter</a:t>
+              <a:rPr lang="en-US" dirty="0" smtClean="0"/>
+              <a:t>Static Method</a:t>
             </a:r>
             <a:endParaRPr lang="en-US" dirty="0"/>
           </a:p>
@@ -3720,7 +3724,7 @@
       </p:sp>
       <p:pic>
         <p:nvPicPr>
-          <p:cNvPr id="15362" name="Picture 2"/>
+          <p:cNvPr id="1026" name="Picture 2"/>
           <p:cNvPicPr>
             <a:picLocks noGrp="1" noChangeAspect="1" noChangeArrowheads="1"/>
           </p:cNvPicPr>
@@ -3737,8 +3741,41 @@
         </p:blipFill>
         <p:spPr bwMode="auto">
           <a:xfrm>
-            <a:off x="952464" y="1714488"/>
-            <a:ext cx="9429816" cy="4857784"/>
+            <a:off x="783771" y="1659912"/>
+            <a:ext cx="10829109" cy="1344545"/>
+          </a:xfrm>
+          <a:prstGeom prst="rect">
+            <a:avLst/>
+          </a:prstGeom>
+          <a:noFill/>
+          <a:ln w="9525">
+            <a:noFill/>
+            <a:miter lim="800000"/>
+            <a:headEnd/>
+            <a:tailEnd/>
+          </a:ln>
+          <a:effectLst/>
+        </p:spPr>
+      </p:pic>
+      <p:pic>
+        <p:nvPicPr>
+          <p:cNvPr id="1027" name="Picture 3"/>
+          <p:cNvPicPr>
+            <a:picLocks noChangeAspect="1" noChangeArrowheads="1"/>
+          </p:cNvPicPr>
+          <p:nvPr/>
+        </p:nvPicPr>
+        <p:blipFill>
+          <a:blip r:embed="rId3"/>
+          <a:srcRect/>
+          <a:stretch>
+            <a:fillRect/>
+          </a:stretch>
+        </p:blipFill>
+        <p:spPr bwMode="auto">
+          <a:xfrm>
+            <a:off x="1463040" y="2834640"/>
+            <a:ext cx="9718766" cy="3809455"/>
           </a:xfrm>
           <a:prstGeom prst="rect">
             <a:avLst/>
@@ -3794,8 +3831,8 @@
           <a:lstStyle/>
           <a:p>
             <a:r>
-              <a:rPr lang="en-IN" dirty="0" smtClean="0"/>
-              <a:t>Destructing </a:t>
+              <a:rPr lang="en-US" dirty="0" smtClean="0"/>
+              <a:t>Getter And Setter</a:t>
             </a:r>
             <a:endParaRPr lang="en-US" dirty="0"/>
           </a:p>
@@ -3803,7 +3840,7 @@
       </p:sp>
       <p:pic>
         <p:nvPicPr>
-          <p:cNvPr id="16386" name="Picture 2"/>
+          <p:cNvPr id="2050" name="Picture 2"/>
           <p:cNvPicPr>
             <a:picLocks noGrp="1" noChangeAspect="1" noChangeArrowheads="1"/>
           </p:cNvPicPr>
@@ -3820,8 +3857,240 @@
         </p:blipFill>
         <p:spPr bwMode="auto">
           <a:xfrm>
-            <a:off x="666713" y="1714488"/>
-            <a:ext cx="9906068" cy="4572032"/>
+            <a:off x="6561001" y="1760310"/>
+            <a:ext cx="4530272" cy="4351338"/>
+          </a:xfrm>
+          <a:prstGeom prst="rect">
+            <a:avLst/>
+          </a:prstGeom>
+          <a:noFill/>
+          <a:ln w="9525">
+            <a:noFill/>
+            <a:miter lim="800000"/>
+            <a:headEnd/>
+            <a:tailEnd/>
+          </a:ln>
+          <a:effectLst/>
+        </p:spPr>
+      </p:pic>
+      <p:pic>
+        <p:nvPicPr>
+          <p:cNvPr id="2051" name="Picture 3"/>
+          <p:cNvPicPr>
+            <a:picLocks noChangeAspect="1" noChangeArrowheads="1"/>
+          </p:cNvPicPr>
+          <p:nvPr/>
+        </p:nvPicPr>
+        <p:blipFill>
+          <a:blip r:embed="rId3"/>
+          <a:srcRect/>
+          <a:stretch>
+            <a:fillRect/>
+          </a:stretch>
+        </p:blipFill>
+        <p:spPr bwMode="auto">
+          <a:xfrm>
+            <a:off x="257040" y="1990589"/>
+            <a:ext cx="6296025" cy="3482748"/>
+          </a:xfrm>
+          <a:prstGeom prst="rect">
+            <a:avLst/>
+          </a:prstGeom>
+          <a:noFill/>
+          <a:ln w="9525">
+            <a:noFill/>
+            <a:miter lim="800000"/>
+            <a:headEnd/>
+            <a:tailEnd/>
+          </a:ln>
+          <a:effectLst/>
+        </p:spPr>
+      </p:pic>
+    </p:spTree>
+  </p:cSld>
+  <p:clrMapOvr>
+    <a:masterClrMapping/>
+  </p:clrMapOvr>
+</p:sld>
+</file>
+
+<file path=ppt/slides/slide18.xml><?xml version="1.0" encoding="utf-8"?>
+<p:sld xmlns:a="http://schemas.openxmlformats.org/drawingml/2006/main" xmlns:r="http://schemas.openxmlformats.org/officeDocument/2006/relationships" xmlns:p="http://schemas.openxmlformats.org/presentationml/2006/main">
+  <p:cSld>
+    <p:spTree>
+      <p:nvGrpSpPr>
+        <p:cNvPr id="1" name=""/>
+        <p:cNvGrpSpPr/>
+        <p:nvPr/>
+      </p:nvGrpSpPr>
+      <p:grpSpPr>
+        <a:xfrm>
+          <a:off x="0" y="0"/>
+          <a:ext cx="0" cy="0"/>
+          <a:chOff x="0" y="0"/>
+          <a:chExt cx="0" cy="0"/>
+        </a:xfrm>
+      </p:grpSpPr>
+      <p:sp>
+        <p:nvSpPr>
+          <p:cNvPr id="2" name="Title 1"/>
+          <p:cNvSpPr>
+            <a:spLocks noGrp="1"/>
+          </p:cNvSpPr>
+          <p:nvPr>
+            <p:ph type="title"/>
+          </p:nvPr>
+        </p:nvSpPr>
+        <p:spPr/>
+        <p:txBody>
+          <a:bodyPr/>
+          <a:lstStyle/>
+          <a:p>
+            <a:r>
+              <a:rPr lang="en-US" dirty="0" smtClean="0"/>
+              <a:t>Method overriding</a:t>
+            </a:r>
+            <a:endParaRPr lang="en-US" dirty="0"/>
+          </a:p>
+        </p:txBody>
+      </p:sp>
+      <p:pic>
+        <p:nvPicPr>
+          <p:cNvPr id="3074" name="Picture 2"/>
+          <p:cNvPicPr>
+            <a:picLocks noGrp="1" noChangeAspect="1" noChangeArrowheads="1"/>
+          </p:cNvPicPr>
+          <p:nvPr>
+            <p:ph idx="1"/>
+          </p:nvPr>
+        </p:nvPicPr>
+        <p:blipFill>
+          <a:blip r:embed="rId2"/>
+          <a:srcRect/>
+          <a:stretch>
+            <a:fillRect/>
+          </a:stretch>
+        </p:blipFill>
+        <p:spPr bwMode="auto">
+          <a:xfrm>
+            <a:off x="1327512" y="1651476"/>
+            <a:ext cx="9619162" cy="4540318"/>
+          </a:xfrm>
+          <a:prstGeom prst="rect">
+            <a:avLst/>
+          </a:prstGeom>
+          <a:noFill/>
+          <a:ln w="9525">
+            <a:noFill/>
+            <a:miter lim="800000"/>
+            <a:headEnd/>
+            <a:tailEnd/>
+          </a:ln>
+          <a:effectLst/>
+        </p:spPr>
+      </p:pic>
+    </p:spTree>
+  </p:cSld>
+  <p:clrMapOvr>
+    <a:masterClrMapping/>
+  </p:clrMapOvr>
+</p:sld>
+</file>
+
+<file path=ppt/slides/slide19.xml><?xml version="1.0" encoding="utf-8"?>
+<p:sld xmlns:a="http://schemas.openxmlformats.org/drawingml/2006/main" xmlns:r="http://schemas.openxmlformats.org/officeDocument/2006/relationships" xmlns:p="http://schemas.openxmlformats.org/presentationml/2006/main">
+  <p:cSld>
+    <p:spTree>
+      <p:nvGrpSpPr>
+        <p:cNvPr id="1" name=""/>
+        <p:cNvGrpSpPr/>
+        <p:nvPr/>
+      </p:nvGrpSpPr>
+      <p:grpSpPr>
+        <a:xfrm>
+          <a:off x="0" y="0"/>
+          <a:ext cx="0" cy="0"/>
+          <a:chOff x="0" y="0"/>
+          <a:chExt cx="0" cy="0"/>
+        </a:xfrm>
+      </p:grpSpPr>
+      <p:sp>
+        <p:nvSpPr>
+          <p:cNvPr id="2" name="Title 1"/>
+          <p:cNvSpPr>
+            <a:spLocks noGrp="1"/>
+          </p:cNvSpPr>
+          <p:nvPr>
+            <p:ph type="title"/>
+          </p:nvPr>
+        </p:nvSpPr>
+        <p:spPr/>
+        <p:txBody>
+          <a:bodyPr/>
+          <a:lstStyle/>
+          <a:p>
+            <a:r>
+              <a:rPr lang="en-US" dirty="0" smtClean="0"/>
+              <a:t>This keyword arrow function</a:t>
+            </a:r>
+            <a:endParaRPr lang="en-US" dirty="0"/>
+          </a:p>
+        </p:txBody>
+      </p:sp>
+      <p:pic>
+        <p:nvPicPr>
+          <p:cNvPr id="4100" name="Picture 4"/>
+          <p:cNvPicPr>
+            <a:picLocks noChangeAspect="1" noChangeArrowheads="1"/>
+          </p:cNvPicPr>
+          <p:nvPr/>
+        </p:nvPicPr>
+        <p:blipFill>
+          <a:blip r:embed="rId2"/>
+          <a:srcRect/>
+          <a:stretch>
+            <a:fillRect/>
+          </a:stretch>
+        </p:blipFill>
+        <p:spPr bwMode="auto">
+          <a:xfrm>
+            <a:off x="6325689" y="1698171"/>
+            <a:ext cx="4191000" cy="4284618"/>
+          </a:xfrm>
+          <a:prstGeom prst="rect">
+            <a:avLst/>
+          </a:prstGeom>
+          <a:noFill/>
+          <a:ln w="9525">
+            <a:noFill/>
+            <a:miter lim="800000"/>
+            <a:headEnd/>
+            <a:tailEnd/>
+          </a:ln>
+          <a:effectLst/>
+        </p:spPr>
+      </p:pic>
+      <p:pic>
+        <p:nvPicPr>
+          <p:cNvPr id="4101" name="Picture 5"/>
+          <p:cNvPicPr>
+            <a:picLocks noGrp="1" noChangeAspect="1" noChangeArrowheads="1"/>
+          </p:cNvPicPr>
+          <p:nvPr>
+            <p:ph idx="1"/>
+          </p:nvPr>
+        </p:nvPicPr>
+        <p:blipFill>
+          <a:blip r:embed="rId3"/>
+          <a:srcRect/>
+          <a:stretch>
+            <a:fillRect/>
+          </a:stretch>
+        </p:blipFill>
+        <p:spPr bwMode="auto">
+          <a:xfrm>
+            <a:off x="1165043" y="1554480"/>
+            <a:ext cx="3905250" cy="4480560"/>
           </a:xfrm>
           <a:prstGeom prst="rect">
             <a:avLst/>
@@ -3909,6 +4178,172 @@
           <a:xfrm>
             <a:off x="609600" y="1785926"/>
             <a:ext cx="9652000" cy="4572032"/>
+          </a:xfrm>
+          <a:prstGeom prst="rect">
+            <a:avLst/>
+          </a:prstGeom>
+          <a:noFill/>
+          <a:ln w="9525">
+            <a:noFill/>
+            <a:miter lim="800000"/>
+            <a:headEnd/>
+            <a:tailEnd/>
+          </a:ln>
+          <a:effectLst/>
+        </p:spPr>
+      </p:pic>
+    </p:spTree>
+  </p:cSld>
+  <p:clrMapOvr>
+    <a:masterClrMapping/>
+  </p:clrMapOvr>
+</p:sld>
+</file>
+
+<file path=ppt/slides/slide20.xml><?xml version="1.0" encoding="utf-8"?>
+<p:sld xmlns:a="http://schemas.openxmlformats.org/drawingml/2006/main" xmlns:r="http://schemas.openxmlformats.org/officeDocument/2006/relationships" xmlns:p="http://schemas.openxmlformats.org/presentationml/2006/main">
+  <p:cSld>
+    <p:spTree>
+      <p:nvGrpSpPr>
+        <p:cNvPr id="1" name=""/>
+        <p:cNvGrpSpPr/>
+        <p:nvPr/>
+      </p:nvGrpSpPr>
+      <p:grpSpPr>
+        <a:xfrm>
+          <a:off x="0" y="0"/>
+          <a:ext cx="0" cy="0"/>
+          <a:chOff x="0" y="0"/>
+          <a:chExt cx="0" cy="0"/>
+        </a:xfrm>
+      </p:grpSpPr>
+      <p:sp>
+        <p:nvSpPr>
+          <p:cNvPr id="2" name="Title 1"/>
+          <p:cNvSpPr>
+            <a:spLocks noGrp="1"/>
+          </p:cNvSpPr>
+          <p:nvPr>
+            <p:ph type="title"/>
+          </p:nvPr>
+        </p:nvSpPr>
+        <p:spPr/>
+        <p:txBody>
+          <a:bodyPr/>
+          <a:lstStyle/>
+          <a:p>
+            <a:r>
+              <a:rPr lang="en-IN" dirty="0" smtClean="0"/>
+              <a:t>Spread and rest parameter</a:t>
+            </a:r>
+            <a:endParaRPr lang="en-US" dirty="0"/>
+          </a:p>
+        </p:txBody>
+      </p:sp>
+      <p:pic>
+        <p:nvPicPr>
+          <p:cNvPr id="15362" name="Picture 2"/>
+          <p:cNvPicPr>
+            <a:picLocks noGrp="1" noChangeAspect="1" noChangeArrowheads="1"/>
+          </p:cNvPicPr>
+          <p:nvPr>
+            <p:ph idx="1"/>
+          </p:nvPr>
+        </p:nvPicPr>
+        <p:blipFill>
+          <a:blip r:embed="rId2"/>
+          <a:srcRect/>
+          <a:stretch>
+            <a:fillRect/>
+          </a:stretch>
+        </p:blipFill>
+        <p:spPr bwMode="auto">
+          <a:xfrm>
+            <a:off x="952464" y="1714488"/>
+            <a:ext cx="9429816" cy="4857784"/>
+          </a:xfrm>
+          <a:prstGeom prst="rect">
+            <a:avLst/>
+          </a:prstGeom>
+          <a:noFill/>
+          <a:ln w="9525">
+            <a:noFill/>
+            <a:miter lim="800000"/>
+            <a:headEnd/>
+            <a:tailEnd/>
+          </a:ln>
+          <a:effectLst/>
+        </p:spPr>
+      </p:pic>
+    </p:spTree>
+  </p:cSld>
+  <p:clrMapOvr>
+    <a:masterClrMapping/>
+  </p:clrMapOvr>
+</p:sld>
+</file>
+
+<file path=ppt/slides/slide21.xml><?xml version="1.0" encoding="utf-8"?>
+<p:sld xmlns:a="http://schemas.openxmlformats.org/drawingml/2006/main" xmlns:r="http://schemas.openxmlformats.org/officeDocument/2006/relationships" xmlns:p="http://schemas.openxmlformats.org/presentationml/2006/main">
+  <p:cSld>
+    <p:spTree>
+      <p:nvGrpSpPr>
+        <p:cNvPr id="1" name=""/>
+        <p:cNvGrpSpPr/>
+        <p:nvPr/>
+      </p:nvGrpSpPr>
+      <p:grpSpPr>
+        <a:xfrm>
+          <a:off x="0" y="0"/>
+          <a:ext cx="0" cy="0"/>
+          <a:chOff x="0" y="0"/>
+          <a:chExt cx="0" cy="0"/>
+        </a:xfrm>
+      </p:grpSpPr>
+      <p:sp>
+        <p:nvSpPr>
+          <p:cNvPr id="2" name="Title 1"/>
+          <p:cNvSpPr>
+            <a:spLocks noGrp="1"/>
+          </p:cNvSpPr>
+          <p:nvPr>
+            <p:ph type="title"/>
+          </p:nvPr>
+        </p:nvSpPr>
+        <p:spPr/>
+        <p:txBody>
+          <a:bodyPr/>
+          <a:lstStyle/>
+          <a:p>
+            <a:r>
+              <a:rPr lang="en-IN" dirty="0" smtClean="0"/>
+              <a:t>Destructing </a:t>
+            </a:r>
+            <a:endParaRPr lang="en-US" dirty="0"/>
+          </a:p>
+        </p:txBody>
+      </p:sp>
+      <p:pic>
+        <p:nvPicPr>
+          <p:cNvPr id="16386" name="Picture 2"/>
+          <p:cNvPicPr>
+            <a:picLocks noGrp="1" noChangeAspect="1" noChangeArrowheads="1"/>
+          </p:cNvPicPr>
+          <p:nvPr>
+            <p:ph idx="1"/>
+          </p:nvPr>
+        </p:nvPicPr>
+        <p:blipFill>
+          <a:blip r:embed="rId2"/>
+          <a:srcRect/>
+          <a:stretch>
+            <a:fillRect/>
+          </a:stretch>
+        </p:blipFill>
+        <p:spPr bwMode="auto">
+          <a:xfrm>
+            <a:off x="666713" y="1714488"/>
+            <a:ext cx="9906068" cy="4572032"/>
           </a:xfrm>
           <a:prstGeom prst="rect">
             <a:avLst/>
@@ -4776,7 +5211,7 @@
   <a:extraClrSchemeLst/>
   <a:extLst>
     <a:ext uri="{05A4C25C-085E-4340-85A3-A5531E510DB2}">
-      <thm15:themeFamily xmlns:thm15="http://schemas.microsoft.com/office/thememl/2012/main" xmlns="" name="Office Theme" id="{62F939B6-93AF-4DB8-9C6B-D6C7DFDC589F}" vid="{4A3C46E8-61CC-4603-A589-7422A47A8E4A}"/>
+      <thm15:themeFamily xmlns="" xmlns:thm15="http://schemas.microsoft.com/office/thememl/2012/main" name="Office Theme" id="{62F939B6-93AF-4DB8-9C6B-D6C7DFDC589F}" vid="{4A3C46E8-61CC-4603-A589-7422A47A8E4A}"/>
     </a:ext>
   </a:extLst>
 </a:theme>
